--- a/docs/PrintSpeedTest Presntation.pptx
+++ b/docs/PrintSpeedTest Presntation.pptx
@@ -25182,23 +25182,46 @@
         </p:nvSpPr>
         <p:spPr/>
         <p:txBody>
-          <a:bodyPr rtlCol="0"/>
+          <a:bodyPr rtlCol="0">
+            <a:normAutofit fontScale="92500" lnSpcReduction="10000"/>
+          </a:bodyPr>
           <a:lstStyle/>
           <a:p>
             <a:pPr marL="0" indent="0" rtl="0">
               <a:buNone/>
             </a:pPr>
             <a:r>
-              <a:rPr lang="ru-RU" dirty="0" smtClean="0"/>
-              <a:t>Мой </a:t>
-            </a:r>
-            <a:r>
               <a:rPr lang="en-US" dirty="0" smtClean="0"/>
               <a:t>QT </a:t>
             </a:r>
             <a:r>
               <a:rPr lang="ru-RU" dirty="0" smtClean="0"/>
-              <a:t>проект</a:t>
+              <a:t>проект                                    Шараев Артём</a:t>
+            </a:r>
+          </a:p>
+          <a:p>
+            <a:pPr marL="0" indent="0" rtl="0">
+              <a:buNone/>
+            </a:pPr>
+            <a:r>
+              <a:rPr lang="ru-RU" dirty="0"/>
+              <a:t> </a:t>
+            </a:r>
+            <a:r>
+              <a:rPr lang="ru-RU" dirty="0" smtClean="0"/>
+              <a:t>                                             		 	 	              Образовательный центр </a:t>
+            </a:r>
+            <a:r>
+              <a:rPr lang="en-US" dirty="0" smtClean="0"/>
+              <a:t>“</a:t>
+            </a:r>
+            <a:r>
+              <a:rPr lang="ru-RU" dirty="0" smtClean="0"/>
+              <a:t>Протон</a:t>
+            </a:r>
+            <a:r>
+              <a:rPr lang="en-US" dirty="0" smtClean="0"/>
+              <a:t>”</a:t>
             </a:r>
             <a:endParaRPr lang="ru-RU" dirty="0"/>
           </a:p>
@@ -25567,7 +25590,7 @@
             <a:pPr rtl="0"/>
             <a:r>
               <a:rPr lang="ru-RU" sz="2200" dirty="0" smtClean="0"/>
-              <a:t>Однако, соревноваться по результатам одиночных тестов скорости несерьёзно. Нужна статистика. Из статистики выходят рекордсмены. Для них нужна доска почёта – пресловутый зал славы. Вперёд реализовывать!</a:t>
+              <a:t>Однако, соревноваться по результатам одиночных тестов скорости несерьёзно. Нужна статистика. Из статистики выходят рекордсмены. Для них нужна доска почёта – пресловутый зал славы. </a:t>
             </a:r>
             <a:endParaRPr lang="ru-RU" sz="2200" dirty="0"/>
           </a:p>
@@ -25724,7 +25747,7 @@
             <a:r>
               <a:rPr lang="en-US" sz="2200" dirty="0" smtClean="0">
                 <a:solidFill>
-                  <a:srgbClr val="FF0000"/>
+                  <a:schemeClr val="accent6"/>
                 </a:solidFill>
                 <a:hlinkClick r:id="rId3"/>
               </a:rPr>
@@ -25732,7 +25755,7 @@
             </a:r>
             <a:endParaRPr lang="ru-RU" sz="2200" dirty="0">
               <a:solidFill>
-                <a:srgbClr val="FF0000"/>
+                <a:schemeClr val="accent6"/>
               </a:solidFill>
             </a:endParaRPr>
           </a:p>
@@ -25740,7 +25763,7 @@
             <a:r>
               <a:rPr lang="en-US" sz="2200" dirty="0">
                 <a:solidFill>
-                  <a:srgbClr val="FF0000"/>
+                  <a:schemeClr val="accent6"/>
                 </a:solidFill>
                 <a:hlinkClick r:id="rId4"/>
               </a:rPr>
@@ -25748,33 +25771,50 @@
             </a:r>
             <a:endParaRPr lang="ru-RU" sz="2200" dirty="0">
               <a:solidFill>
-                <a:srgbClr val="FF0000"/>
+                <a:schemeClr val="accent6"/>
               </a:solidFill>
             </a:endParaRPr>
           </a:p>
           <a:p>
             <a:r>
               <a:rPr lang="en-US" sz="2200" dirty="0" smtClean="0">
+                <a:solidFill>
+                  <a:schemeClr val="accent6"/>
+                </a:solidFill>
                 <a:hlinkClick r:id="rId5"/>
               </a:rPr>
               <a:t>yandex.ru/games/play/168337</a:t>
             </a:r>
-            <a:endParaRPr lang="ru-RU" sz="2200" dirty="0" smtClean="0"/>
+            <a:endParaRPr lang="ru-RU" sz="2200" dirty="0" smtClean="0">
+              <a:solidFill>
+                <a:schemeClr val="accent6"/>
+              </a:solidFill>
+            </a:endParaRPr>
           </a:p>
           <a:p>
             <a:r>
               <a:rPr lang="en-US" sz="2200" dirty="0" smtClean="0">
+                <a:solidFill>
+                  <a:schemeClr val="accent6"/>
+                </a:solidFill>
                 <a:hlinkClick r:id="rId6"/>
               </a:rPr>
               <a:t>solo.nabiraem.ru/study/</a:t>
             </a:r>
             <a:r>
               <a:rPr lang="en-US" sz="2200" dirty="0" err="1" smtClean="0">
+                <a:solidFill>
+                  <a:schemeClr val="accent6"/>
+                </a:solidFill>
                 <a:hlinkClick r:id="rId6"/>
               </a:rPr>
               <a:t>rus#typingtest</a:t>
             </a:r>
-            <a:endParaRPr lang="ru-RU" sz="2200" dirty="0"/>
+            <a:endParaRPr lang="ru-RU" sz="2200" dirty="0">
+              <a:solidFill>
+                <a:schemeClr val="accent6"/>
+              </a:solidFill>
+            </a:endParaRPr>
           </a:p>
         </p:txBody>
       </p:sp>
@@ -26347,7 +26387,7 @@
                 <a14:useLocalDpi xmlns:a14="http://schemas.microsoft.com/office/drawing/2010/main"/>
               </a:ext>
               <a:ext uri="{96DAC541-7B7A-43D3-8B79-37D633B846F1}">
-                <asvg:svgBlip xmlns="" xmlns:asvg="http://schemas.microsoft.com/office/drawing/2016/SVG/main" r:embed="rId4"/>
+                <asvg:svgBlip xmlns:asvg="http://schemas.microsoft.com/office/drawing/2016/SVG/main" xmlns="" r:embed="rId4"/>
               </a:ext>
             </a:extLst>
           </a:blip>
@@ -26416,7 +26456,7 @@
                 <a14:useLocalDpi xmlns:a14="http://schemas.microsoft.com/office/drawing/2010/main"/>
               </a:ext>
               <a:ext uri="{96DAC541-7B7A-43D3-8B79-37D633B846F1}">
-                <asvg:svgBlip xmlns="" xmlns:asvg="http://schemas.microsoft.com/office/drawing/2016/SVG/main" r:embed="rId6"/>
+                <asvg:svgBlip xmlns:asvg="http://schemas.microsoft.com/office/drawing/2016/SVG/main" xmlns="" r:embed="rId6"/>
               </a:ext>
             </a:extLst>
           </a:blip>
@@ -26480,7 +26520,7 @@
                 <a14:useLocalDpi xmlns:a14="http://schemas.microsoft.com/office/drawing/2010/main"/>
               </a:ext>
               <a:ext uri="{96DAC541-7B7A-43D3-8B79-37D633B846F1}">
-                <asvg:svgBlip xmlns="" xmlns:asvg="http://schemas.microsoft.com/office/drawing/2016/SVG/main" r:embed="rId8"/>
+                <asvg:svgBlip xmlns:asvg="http://schemas.microsoft.com/office/drawing/2016/SVG/main" xmlns="" r:embed="rId8"/>
               </a:ext>
             </a:extLst>
           </a:blip>
@@ -26544,7 +26584,7 @@
                 <a14:useLocalDpi xmlns:a14="http://schemas.microsoft.com/office/drawing/2010/main"/>
               </a:ext>
               <a:ext uri="{96DAC541-7B7A-43D3-8B79-37D633B846F1}">
-                <asvg:svgBlip xmlns="" xmlns:asvg="http://schemas.microsoft.com/office/drawing/2016/SVG/main" r:embed="rId10"/>
+                <asvg:svgBlip xmlns:asvg="http://schemas.microsoft.com/office/drawing/2016/SVG/main" xmlns="" r:embed="rId10"/>
               </a:ext>
             </a:extLst>
           </a:blip>
@@ -26608,7 +26648,7 @@
                 <a14:useLocalDpi xmlns:a14="http://schemas.microsoft.com/office/drawing/2010/main"/>
               </a:ext>
               <a:ext uri="{96DAC541-7B7A-43D3-8B79-37D633B846F1}">
-                <asvg:svgBlip xmlns="" xmlns:asvg="http://schemas.microsoft.com/office/drawing/2016/SVG/main" r:embed="rId12"/>
+                <asvg:svgBlip xmlns:asvg="http://schemas.microsoft.com/office/drawing/2016/SVG/main" xmlns="" r:embed="rId12"/>
               </a:ext>
             </a:extLst>
           </a:blip>
@@ -26701,7 +26741,7 @@
                 <a14:useLocalDpi xmlns:a14="http://schemas.microsoft.com/office/drawing/2010/main"/>
               </a:ext>
               <a:ext uri="{96DAC541-7B7A-43D3-8B79-37D633B846F1}">
-                <asvg:svgBlip xmlns="" xmlns:asvg="http://schemas.microsoft.com/office/drawing/2016/SVG/main" r:embed="rId4"/>
+                <asvg:svgBlip xmlns:asvg="http://schemas.microsoft.com/office/drawing/2016/SVG/main" xmlns="" r:embed="rId4"/>
               </a:ext>
             </a:extLst>
           </a:blip>
@@ -28167,21 +28207,21 @@
 </file>
 
 <file path=customXml/item2.xml><?xml version="1.0" encoding="utf-8"?>
+<p:properties xmlns:p="http://schemas.microsoft.com/office/2006/metadata/properties" xmlns:xsi="http://www.w3.org/2001/XMLSchema-instance" xmlns:pc="http://schemas.microsoft.com/office/infopath/2007/PartnerControls">
+  <documentManagement>
+    <_ip_UnifiedCompliancePolicyUIAction xmlns="http://schemas.microsoft.com/sharepoint/v3" xsi:nil="true"/>
+    <_ip_UnifiedCompliancePolicyProperties xmlns="http://schemas.microsoft.com/sharepoint/v3" xsi:nil="true"/>
+  </documentManagement>
+</p:properties>
+</file>
+
+<file path=customXml/item3.xml><?xml version="1.0" encoding="utf-8"?>
 <?mso-contentType ?>
 <FormTemplates xmlns="http://schemas.microsoft.com/sharepoint/v3/contenttype/forms">
   <Display>DocumentLibraryForm</Display>
   <Edit>DocumentLibraryForm</Edit>
   <New>DocumentLibraryForm</New>
 </FormTemplates>
-</file>
-
-<file path=customXml/item3.xml><?xml version="1.0" encoding="utf-8"?>
-<p:properties xmlns:p="http://schemas.microsoft.com/office/2006/metadata/properties" xmlns:xsi="http://www.w3.org/2001/XMLSchema-instance" xmlns:pc="http://schemas.microsoft.com/office/infopath/2007/PartnerControls">
-  <documentManagement>
-    <_ip_UnifiedCompliancePolicyUIAction xmlns="http://schemas.microsoft.com/sharepoint/v3" xsi:nil="true"/>
-    <_ip_UnifiedCompliancePolicyProperties xmlns="http://schemas.microsoft.com/sharepoint/v3" xsi:nil="true"/>
-  </documentManagement>
-</p:properties>
 </file>
 
 <file path=customXml/itemProps1.xml><?xml version="1.0" encoding="utf-8"?>
@@ -28205,27 +28245,27 @@
 </file>
 
 <file path=customXml/itemProps2.xml><?xml version="1.0" encoding="utf-8"?>
+<ds:datastoreItem xmlns:ds="http://schemas.openxmlformats.org/officeDocument/2006/customXml" ds:itemID="{F8992231-163D-4428-A2B8-DA1FE0274129}">
+  <ds:schemaRefs>
+    <ds:schemaRef ds:uri="http://purl.org/dc/dcmitype/"/>
+    <ds:schemaRef ds:uri="http://schemas.microsoft.com/office/2006/documentManagement/types"/>
+    <ds:schemaRef ds:uri="http://purl.org/dc/terms/"/>
+    <ds:schemaRef ds:uri="http://schemas.microsoft.com/sharepoint/v3"/>
+    <ds:schemaRef ds:uri="http://www.w3.org/XML/1998/namespace"/>
+    <ds:schemaRef ds:uri="http://schemas.microsoft.com/office/infopath/2007/PartnerControls"/>
+    <ds:schemaRef ds:uri="http://purl.org/dc/elements/1.1/"/>
+    <ds:schemaRef ds:uri="http://schemas.openxmlformats.org/package/2006/metadata/core-properties"/>
+    <ds:schemaRef ds:uri="fb0879af-3eba-417a-a55a-ffe6dcd6ca77"/>
+    <ds:schemaRef ds:uri="6dc4bcd6-49db-4c07-9060-8acfc67cef9f"/>
+    <ds:schemaRef ds:uri="http://schemas.microsoft.com/office/2006/metadata/properties"/>
+  </ds:schemaRefs>
+</ds:datastoreItem>
+</file>
+
+<file path=customXml/itemProps3.xml><?xml version="1.0" encoding="utf-8"?>
 <ds:datastoreItem xmlns:ds="http://schemas.openxmlformats.org/officeDocument/2006/customXml" ds:itemID="{8A95DE24-D6C3-4A00-9085-D9594C193AE1}">
   <ds:schemaRefs>
     <ds:schemaRef ds:uri="http://schemas.microsoft.com/sharepoint/v3/contenttype/forms"/>
   </ds:schemaRefs>
 </ds:datastoreItem>
-</file>
-
-<file path=customXml/itemProps3.xml><?xml version="1.0" encoding="utf-8"?>
-<ds:datastoreItem xmlns:ds="http://schemas.openxmlformats.org/officeDocument/2006/customXml" ds:itemID="{F8992231-163D-4428-A2B8-DA1FE0274129}">
-  <ds:schemaRefs>
-    <ds:schemaRef ds:uri="http://purl.org/dc/elements/1.1/"/>
-    <ds:schemaRef ds:uri="http://schemas.microsoft.com/sharepoint/v3"/>
-    <ds:schemaRef ds:uri="6dc4bcd6-49db-4c07-9060-8acfc67cef9f"/>
-    <ds:schemaRef ds:uri="http://schemas.microsoft.com/office/2006/documentManagement/types"/>
-    <ds:schemaRef ds:uri="http://purl.org/dc/dcmitype/"/>
-    <ds:schemaRef ds:uri="http://schemas.openxmlformats.org/package/2006/metadata/core-properties"/>
-    <ds:schemaRef ds:uri="http://www.w3.org/XML/1998/namespace"/>
-    <ds:schemaRef ds:uri="http://purl.org/dc/terms/"/>
-    <ds:schemaRef ds:uri="http://schemas.microsoft.com/office/infopath/2007/PartnerControls"/>
-    <ds:schemaRef ds:uri="fb0879af-3eba-417a-a55a-ffe6dcd6ca77"/>
-    <ds:schemaRef ds:uri="http://schemas.microsoft.com/office/2006/metadata/properties"/>
-  </ds:schemaRefs>
-</ds:datastoreItem>
 </file>